--- a/translations/en-us/beginner/Turning.pptx
+++ b/translations/en-us/beginner/Turning.pptx
@@ -223,7 +223,7 @@
           <a:p>
             <a:fld id="{F8D9B3D7-15CB-9343-AA49-EFB5A8F33F18}" type="datetimeFigureOut">
               <a:rPr lang="en-US" smtClean="0"/>
-              <a:t>3/1/2015</a:t>
+              <a:t>11/14/15</a:t>
             </a:fld>
             <a:endParaRPr lang="en-US"/>
           </a:p>
@@ -389,7 +389,7 @@
           <a:p>
             <a:fld id="{FD3EFF1E-85A1-6640-AFB9-C38833E80A84}" type="datetimeFigureOut">
               <a:rPr lang="en-US" smtClean="0"/>
-              <a:t>3/1/2015</a:t>
+              <a:t>11/14/15</a:t>
             </a:fld>
             <a:endParaRPr lang="en-US"/>
           </a:p>
@@ -1019,7 +1019,7 @@
           <a:p>
             <a:fld id="{6F80F280-CD04-4533-93A4-333109B3A685}" type="datetime1">
               <a:rPr lang="en-US" smtClean="0"/>
-              <a:t>3/1/2015</a:t>
+              <a:t>11/14/15</a:t>
             </a:fld>
             <a:endParaRPr lang="en-US"/>
           </a:p>
@@ -1325,7 +1325,7 @@
           <a:p>
             <a:fld id="{527CFA0F-D1C0-485F-A66B-9F21BDDE6765}" type="datetime1">
               <a:rPr lang="en-US" smtClean="0"/>
-              <a:t>3/1/2015</a:t>
+              <a:t>11/14/15</a:t>
             </a:fld>
             <a:endParaRPr lang="en-US"/>
           </a:p>
@@ -1512,7 +1512,7 @@
           <a:p>
             <a:fld id="{3A6D6598-889D-49AB-8E3E-33EABC9F63C8}" type="datetime1">
               <a:rPr lang="en-US" smtClean="0"/>
-              <a:t>3/1/2015</a:t>
+              <a:t>11/14/15</a:t>
             </a:fld>
             <a:endParaRPr lang="en-US"/>
           </a:p>
@@ -1711,7 +1711,7 @@
           <a:p>
             <a:fld id="{B132D202-DB13-4FDF-8695-6B8D423A6FC5}" type="datetime1">
               <a:rPr lang="en-US" smtClean="0"/>
-              <a:t>3/1/2015</a:t>
+              <a:t>11/14/15</a:t>
             </a:fld>
             <a:endParaRPr lang="en-US"/>
           </a:p>
@@ -1885,7 +1885,7 @@
           <a:p>
             <a:fld id="{4AD74C32-4923-4905-BF41-64ED0D33FDDA}" type="datetime1">
               <a:rPr lang="en-US" smtClean="0"/>
-              <a:t>3/1/2015</a:t>
+              <a:t>11/14/15</a:t>
             </a:fld>
             <a:endParaRPr lang="en-US"/>
           </a:p>
@@ -2135,7 +2135,7 @@
           <a:p>
             <a:fld id="{EA4DD665-B67D-4860-9DD5-EDE1E8153BA2}" type="datetime1">
               <a:rPr lang="en-US" smtClean="0"/>
-              <a:t>3/1/2015</a:t>
+              <a:t>11/14/15</a:t>
             </a:fld>
             <a:endParaRPr lang="en-US"/>
           </a:p>
@@ -2371,7 +2371,7 @@
           <a:p>
             <a:fld id="{C9D7CCC6-4B95-43F8-8D10-7B5E5A7FDFF8}" type="datetime1">
               <a:rPr lang="en-US" smtClean="0"/>
-              <a:t>3/1/2015</a:t>
+              <a:t>11/14/15</a:t>
             </a:fld>
             <a:endParaRPr lang="en-US"/>
           </a:p>
@@ -2742,7 +2742,7 @@
           <a:p>
             <a:fld id="{E071336A-8919-4F00-82E5-233CF27994CF}" type="datetime1">
               <a:rPr lang="en-US" smtClean="0"/>
-              <a:t>3/1/2015</a:t>
+              <a:t>11/14/15</a:t>
             </a:fld>
             <a:endParaRPr lang="en-US"/>
           </a:p>
@@ -2864,7 +2864,7 @@
           <a:p>
             <a:fld id="{37AAF6E1-0F3A-4DE9-A2BC-CA100ED5E27A}" type="datetime1">
               <a:rPr lang="en-US" smtClean="0"/>
-              <a:t>3/1/2015</a:t>
+              <a:t>11/14/15</a:t>
             </a:fld>
             <a:endParaRPr lang="en-US"/>
           </a:p>
@@ -2963,7 +2963,7 @@
           <a:p>
             <a:fld id="{8561BEED-F616-4DE9-BD0B-75EC3D304F75}" type="datetime1">
               <a:rPr lang="en-US" smtClean="0"/>
-              <a:t>3/1/2015</a:t>
+              <a:t>11/14/15</a:t>
             </a:fld>
             <a:endParaRPr lang="en-US"/>
           </a:p>
@@ -3244,7 +3244,7 @@
           <a:p>
             <a:fld id="{40E16DB7-2324-414A-AE93-68C1D017388E}" type="datetime1">
               <a:rPr lang="en-US" smtClean="0"/>
-              <a:t>3/1/2015</a:t>
+              <a:t>11/14/15</a:t>
             </a:fld>
             <a:endParaRPr lang="en-US"/>
           </a:p>
@@ -3428,7 +3428,7 @@
           <a:p>
             <a:fld id="{FA1C51CC-B829-4D68-BB86-7BAFF128AB6A}" type="datetime1">
               <a:rPr lang="en-US" smtClean="0"/>
-              <a:t>3/1/2015</a:t>
+              <a:t>11/14/15</a:t>
             </a:fld>
             <a:endParaRPr lang="en-US"/>
           </a:p>
@@ -3695,7 +3695,7 @@
           <a:p>
             <a:fld id="{2E3FDD8B-795B-4848-BAF9-D883C7D78323}" type="datetime1">
               <a:rPr lang="en-US" smtClean="0"/>
-              <a:t>3/1/2015</a:t>
+              <a:t>11/14/15</a:t>
             </a:fld>
             <a:endParaRPr lang="en-US"/>
           </a:p>
@@ -3869,7 +3869,7 @@
           <a:p>
             <a:fld id="{A0ED5B33-0B30-4C1A-8732-A61BFBB479C1}" type="datetime1">
               <a:rPr lang="en-US" smtClean="0"/>
-              <a:t>3/1/2015</a:t>
+              <a:t>11/14/15</a:t>
             </a:fld>
             <a:endParaRPr lang="en-US"/>
           </a:p>
@@ -4053,7 +4053,7 @@
           <a:p>
             <a:fld id="{BAE8F654-EF9F-42F3-8D1E-79862675F3F6}" type="datetime1">
               <a:rPr lang="en-US" smtClean="0"/>
-              <a:t>3/1/2015</a:t>
+              <a:t>11/14/15</a:t>
             </a:fld>
             <a:endParaRPr lang="en-US"/>
           </a:p>
@@ -4311,7 +4311,7 @@
           <a:p>
             <a:fld id="{BEF01F7B-3F95-4B9F-9F42-FFFAEB28B2A0}" type="datetime1">
               <a:rPr lang="en-US" smtClean="0"/>
-              <a:t>3/1/2015</a:t>
+              <a:t>11/14/15</a:t>
             </a:fld>
             <a:endParaRPr lang="en-US"/>
           </a:p>
@@ -4611,7 +4611,7 @@
           <a:p>
             <a:fld id="{91A78061-3789-4D5E-855A-99AE0777E00E}" type="datetime1">
               <a:rPr lang="en-US" smtClean="0"/>
-              <a:t>3/1/2015</a:t>
+              <a:t>11/14/15</a:t>
             </a:fld>
             <a:endParaRPr lang="en-US"/>
           </a:p>
@@ -5069,7 +5069,7 @@
           <a:p>
             <a:fld id="{46A735E4-7990-4447-86B7-0E20802242BF}" type="datetime1">
               <a:rPr lang="en-US" smtClean="0"/>
-              <a:t>3/1/2015</a:t>
+              <a:t>11/14/15</a:t>
             </a:fld>
             <a:endParaRPr lang="en-US"/>
           </a:p>
@@ -5201,7 +5201,7 @@
           <a:p>
             <a:fld id="{6CC3B673-0B34-48B5-BB1D-129C07F11E8F}" type="datetime1">
               <a:rPr lang="en-US" smtClean="0"/>
-              <a:t>3/1/2015</a:t>
+              <a:t>11/14/15</a:t>
             </a:fld>
             <a:endParaRPr lang="en-US"/>
           </a:p>
@@ -5310,7 +5310,7 @@
           <a:p>
             <a:fld id="{F661E9C3-806A-47FD-BBDF-613AD319EC42}" type="datetime1">
               <a:rPr lang="en-US" smtClean="0"/>
-              <a:t>3/1/2015</a:t>
+              <a:t>11/14/15</a:t>
             </a:fld>
             <a:endParaRPr lang="en-US"/>
           </a:p>
@@ -5564,7 +5564,7 @@
           <a:p>
             <a:fld id="{883F39E2-778E-4A2D-9F1F-99379A4B2E00}" type="datetime1">
               <a:rPr lang="en-US" smtClean="0"/>
-              <a:t>3/1/2015</a:t>
+              <a:t>11/14/15</a:t>
             </a:fld>
             <a:endParaRPr lang="en-US"/>
           </a:p>
@@ -5870,7 +5870,7 @@
           <a:p>
             <a:fld id="{8BB6BEAD-5113-42CC-B71F-AA3386CE066B}" type="datetime1">
               <a:rPr lang="en-US" smtClean="0"/>
-              <a:t>3/1/2015</a:t>
+              <a:t>11/14/15</a:t>
             </a:fld>
             <a:endParaRPr lang="en-US"/>
           </a:p>
@@ -6176,7 +6176,7 @@
           <a:p>
             <a:fld id="{B87056A3-A255-49CA-ABAF-5CE2AA9E0AAE}" type="datetime1">
               <a:rPr lang="en-US" smtClean="0"/>
-              <a:t>3/1/2015</a:t>
+              <a:t>11/14/15</a:t>
             </a:fld>
             <a:endParaRPr lang="en-US"/>
           </a:p>
@@ -6822,7 +6822,7 @@
           <a:p>
             <a:fld id="{0A6326AB-5033-47B1-9E28-3EA012082E8E}" type="datetime1">
               <a:rPr lang="en-US" smtClean="0"/>
-              <a:t>3/1/2015</a:t>
+              <a:t>11/14/15</a:t>
             </a:fld>
             <a:endParaRPr lang="en-US"/>
           </a:p>
@@ -7301,36 +7301,6 @@
           </a:p>
         </p:txBody>
       </p:sp>
-      <p:pic>
-        <p:nvPicPr>
-          <p:cNvPr id="3" name="Picture 2" descr="Droidslogo2.png"/>
-          <p:cNvPicPr>
-            <a:picLocks noChangeAspect="1"/>
-          </p:cNvPicPr>
-          <p:nvPr/>
-        </p:nvPicPr>
-        <p:blipFill>
-          <a:blip r:embed="rId3">
-            <a:extLst>
-              <a:ext uri="{28A0092B-C50C-407E-A947-70E740481C1C}">
-                <a14:useLocalDpi xmlns:a14="http://schemas.microsoft.com/office/drawing/2010/main"/>
-              </a:ext>
-            </a:extLst>
-          </a:blip>
-          <a:stretch>
-            <a:fillRect/>
-          </a:stretch>
-        </p:blipFill>
-        <p:spPr>
-          <a:xfrm>
-            <a:off x="402306" y="5456830"/>
-            <a:ext cx="1085195" cy="1085195"/>
-          </a:xfrm>
-          <a:prstGeom prst="rect">
-            <a:avLst/>
-          </a:prstGeom>
-        </p:spPr>
-      </p:pic>
       <p:sp>
         <p:nvSpPr>
           <p:cNvPr id="4" name="TextBox 3"/>
@@ -7386,7 +7356,7 @@
           <p:nvPr/>
         </p:nvPicPr>
         <p:blipFill>
-          <a:blip r:embed="rId4">
+          <a:blip r:embed="rId3">
             <a:extLst>
               <a:ext uri="{28A0092B-C50C-407E-A947-70E740481C1C}">
                 <a14:useLocalDpi xmlns:a14="http://schemas.microsoft.com/office/drawing/2010/main"/>
@@ -7409,13 +7379,43 @@
           <a:noFill/>
           <a:extLst>
             <a:ext uri="{909E8E84-426E-40dd-AFC4-6F175D3DCCD1}">
-              <a14:hiddenFill xmlns:a14="http://schemas.microsoft.com/office/drawing/2010/main" xmlns="">
+              <a14:hiddenFill xmlns="" xmlns:a14="http://schemas.microsoft.com/office/drawing/2010/main">
                 <a:solidFill>
                   <a:srgbClr val="FFFFFF"/>
                 </a:solidFill>
               </a14:hiddenFill>
             </a:ext>
           </a:extLst>
+        </p:spPr>
+      </p:pic>
+      <p:pic>
+        <p:nvPicPr>
+          <p:cNvPr id="5" name="Picture 4"/>
+          <p:cNvPicPr>
+            <a:picLocks noChangeAspect="1"/>
+          </p:cNvPicPr>
+          <p:nvPr/>
+        </p:nvPicPr>
+        <p:blipFill>
+          <a:blip r:embed="rId4">
+            <a:extLst>
+              <a:ext uri="{28A0092B-C50C-407E-A947-70E740481C1C}">
+                <a14:useLocalDpi xmlns:a14="http://schemas.microsoft.com/office/drawing/2010/main" val="0"/>
+              </a:ext>
+            </a:extLst>
+          </a:blip>
+          <a:stretch>
+            <a:fillRect/>
+          </a:stretch>
+        </p:blipFill>
+        <p:spPr>
+          <a:xfrm>
+            <a:off x="252248" y="5265683"/>
+            <a:ext cx="1261861" cy="1207180"/>
+          </a:xfrm>
+          <a:prstGeom prst="rect">
+            <a:avLst/>
+          </a:prstGeom>
         </p:spPr>
       </p:pic>
     </p:spTree>
@@ -9268,7 +9268,7 @@
           <a:effectLst/>
           <a:extLst>
             <a:ext uri="{91240B29-F687-4f45-9708-019B960494DF}">
-              <a14:hiddenLine xmlns:a14="http://schemas.microsoft.com/office/drawing/2010/main" xmlns="" w="9525">
+              <a14:hiddenLine xmlns="" xmlns:a14="http://schemas.microsoft.com/office/drawing/2010/main" w="9525">
                 <a:solidFill>
                   <a:schemeClr val="tx1"/>
                 </a:solidFill>
@@ -9278,7 +9278,7 @@
               </a14:hiddenLine>
             </a:ext>
             <a:ext uri="{AF507438-7753-43e0-B8FC-AC1667EBCBE1}">
-              <a14:hiddenEffects xmlns:a14="http://schemas.microsoft.com/office/drawing/2010/main" xmlns="">
+              <a14:hiddenEffects xmlns="" xmlns:a14="http://schemas.microsoft.com/office/drawing/2010/main">
                 <a:effectLst>
                   <a:outerShdw dist="35921" dir="2700000" algn="ctr" rotWithShape="0">
                     <a:schemeClr val="bg2"/>
@@ -9631,7 +9631,7 @@
           <a:noFill/>
           <a:extLst>
             <a:ext uri="{909E8E84-426E-40dd-AFC4-6F175D3DCCD1}">
-              <a14:hiddenFill xmlns:a14="http://schemas.microsoft.com/office/drawing/2010/main" xmlns="">
+              <a14:hiddenFill xmlns="" xmlns:a14="http://schemas.microsoft.com/office/drawing/2010/main">
                 <a:solidFill>
                   <a:srgbClr val="FFFFFF"/>
                 </a:solidFill>
@@ -9766,11 +9766,7 @@
             </a:pPr>
             <a:r>
               <a:rPr lang="en-US" dirty="0" smtClean="0"/>
-              <a:t>Learn how to program two different type of </a:t>
-            </a:r>
-            <a:r>
-              <a:rPr lang="en-US" dirty="0" smtClean="0"/>
-              <a:t>turns</a:t>
+              <a:t>Learn how to program two different type of turns</a:t>
             </a:r>
           </a:p>
           <a:p>

--- a/translations/en-us/beginner/Turning.pptx
+++ b/translations/en-us/beginner/Turning.pptx
@@ -223,7 +223,7 @@
           <a:p>
             <a:fld id="{F8D9B3D7-15CB-9343-AA49-EFB5A8F33F18}" type="datetimeFigureOut">
               <a:rPr lang="en-US" smtClean="0"/>
-              <a:t>7/4/16</a:t>
+              <a:t>7/19/16</a:t>
             </a:fld>
             <a:endParaRPr lang="en-US"/>
           </a:p>
@@ -389,7 +389,7 @@
           <a:p>
             <a:fld id="{FD3EFF1E-85A1-6640-AFB9-C38833E80A84}" type="datetimeFigureOut">
               <a:rPr lang="en-US" smtClean="0"/>
-              <a:t>7/4/16</a:t>
+              <a:t>7/19/16</a:t>
             </a:fld>
             <a:endParaRPr lang="en-US"/>
           </a:p>
@@ -957,7 +957,7 @@
           <a:p>
             <a:fld id="{70641817-7154-1A4E-B0F9-9658FF0658CC}" type="datetime1">
               <a:rPr lang="en-US" smtClean="0"/>
-              <a:t>7/4/16</a:t>
+              <a:t>7/19/16</a:t>
             </a:fld>
             <a:endParaRPr lang="en-US"/>
           </a:p>
@@ -1131,7 +1131,7 @@
           <a:p>
             <a:fld id="{7941362E-9731-754A-90A2-3B12639D328B}" type="datetime1">
               <a:rPr lang="en-US" smtClean="0"/>
-              <a:t>7/4/16</a:t>
+              <a:t>7/19/16</a:t>
             </a:fld>
             <a:endParaRPr lang="en-US"/>
           </a:p>
@@ -1315,7 +1315,7 @@
           <a:p>
             <a:fld id="{484A5572-EB4F-E047-B120-A64A5289770B}" type="datetime1">
               <a:rPr lang="en-US" smtClean="0"/>
-              <a:t>7/4/16</a:t>
+              <a:t>7/19/16</a:t>
             </a:fld>
             <a:endParaRPr lang="en-US"/>
           </a:p>
@@ -1532,7 +1532,7 @@
           <a:p>
             <a:fld id="{09A8BB96-39D6-154F-95B5-4E94496E06DF}" type="datetime1">
               <a:rPr lang="en-US" smtClean="0"/>
-              <a:t>7/4/16</a:t>
+              <a:t>7/19/16</a:t>
             </a:fld>
             <a:endParaRPr lang="en-US"/>
           </a:p>
@@ -1751,7 +1751,7 @@
           <a:noFill/>
           <a:extLst>
             <a:ext uri="{909E8E84-426E-40dd-AFC4-6F175D3DCCD1}">
-              <a14:hiddenFill xmlns="" xmlns:a14="http://schemas.microsoft.com/office/drawing/2010/main">
+              <a14:hiddenFill xmlns:a14="http://schemas.microsoft.com/office/drawing/2010/main" xmlns="">
                 <a:solidFill>
                   <a:srgbClr val="FFFFFF"/>
                 </a:solidFill>
@@ -2083,7 +2083,7 @@
           <a:p>
             <a:fld id="{DCD8FBB7-A6A6-4245-B0EB-584AEC47EEC6}" type="datetime1">
               <a:rPr lang="en-US" smtClean="0"/>
-              <a:t>7/4/16</a:t>
+              <a:t>7/19/16</a:t>
             </a:fld>
             <a:endParaRPr lang="en-US"/>
           </a:p>
@@ -2356,7 +2356,7 @@
           <a:p>
             <a:fld id="{137F3FEE-0BA9-8146-9DAD-5B71E747D1EB}" type="datetime1">
               <a:rPr lang="en-US" smtClean="0"/>
-              <a:t>7/4/16</a:t>
+              <a:t>7/19/16</a:t>
             </a:fld>
             <a:endParaRPr lang="en-US"/>
           </a:p>
@@ -2661,7 +2661,7 @@
           <a:p>
             <a:fld id="{D12DC91D-2D23-7F47-80CC-2621822BD27A}" type="datetime1">
               <a:rPr lang="en-US" smtClean="0"/>
-              <a:t>7/4/16</a:t>
+              <a:t>7/19/16</a:t>
             </a:fld>
             <a:endParaRPr lang="en-US"/>
           </a:p>
@@ -3124,7 +3124,7 @@
           <a:p>
             <a:fld id="{3F63F9A3-7935-4746-8CD2-DF1AFED0A918}" type="datetime1">
               <a:rPr lang="en-US" smtClean="0"/>
-              <a:t>7/4/16</a:t>
+              <a:t>7/19/16</a:t>
             </a:fld>
             <a:endParaRPr lang="en-US"/>
           </a:p>
@@ -3261,7 +3261,7 @@
           <a:p>
             <a:fld id="{AD54BCB1-75AE-B443-A753-A346420E8098}" type="datetime1">
               <a:rPr lang="en-US" smtClean="0"/>
-              <a:t>7/4/16</a:t>
+              <a:t>7/19/16</a:t>
             </a:fld>
             <a:endParaRPr lang="en-US"/>
           </a:p>
@@ -3375,7 +3375,7 @@
           <a:p>
             <a:fld id="{968BC10E-042F-EE43-A968-2C34152BC550}" type="datetime1">
               <a:rPr lang="en-US" smtClean="0"/>
-              <a:t>7/4/16</a:t>
+              <a:t>7/19/16</a:t>
             </a:fld>
             <a:endParaRPr lang="en-US"/>
           </a:p>
@@ -3634,7 +3634,7 @@
           <a:p>
             <a:fld id="{DCC746B2-2D6D-2B46-97B0-9D09176144EB}" type="datetime1">
               <a:rPr lang="en-US" smtClean="0"/>
-              <a:t>7/4/16</a:t>
+              <a:t>7/19/16</a:t>
             </a:fld>
             <a:endParaRPr lang="en-US"/>
           </a:p>
@@ -3839,7 +3839,7 @@
           <a:p>
             <a:fld id="{35EDAADF-94D8-3B4A-B157-513A7DD503C0}" type="datetime1">
               <a:rPr lang="en-US" smtClean="0"/>
-              <a:t>7/4/16</a:t>
+              <a:t>7/19/16</a:t>
             </a:fld>
             <a:endParaRPr lang="en-US"/>
           </a:p>
@@ -4119,7 +4119,7 @@
           <a:p>
             <a:fld id="{50F2A92F-4E29-E642-BC5B-9DE9E2E2D4F5}" type="datetime1">
               <a:rPr lang="en-US" smtClean="0"/>
-              <a:t>7/4/16</a:t>
+              <a:t>7/19/16</a:t>
             </a:fld>
             <a:endParaRPr lang="en-US"/>
           </a:p>
@@ -4389,7 +4389,7 @@
           <a:p>
             <a:fld id="{64061E12-00DD-294B-A067-DEF3DB3A3AFE}" type="datetime1">
               <a:rPr lang="en-US" smtClean="0"/>
-              <a:t>7/4/16</a:t>
+              <a:t>7/19/16</a:t>
             </a:fld>
             <a:endParaRPr lang="en-US"/>
           </a:p>
@@ -4581,7 +4581,7 @@
           <a:p>
             <a:fld id="{B881769E-4DEF-4D4E-9CD8-FA9B60DB35F0}" type="datetime1">
               <a:rPr lang="en-US" smtClean="0"/>
-              <a:t>7/4/16</a:t>
+              <a:t>7/19/16</a:t>
             </a:fld>
             <a:endParaRPr lang="en-US"/>
           </a:p>
@@ -4785,7 +4785,7 @@
           <a:p>
             <a:fld id="{59987E87-B7FE-F440-A844-E24C42014CC2}" type="datetime1">
               <a:rPr lang="en-US" smtClean="0"/>
-              <a:t>7/4/16</a:t>
+              <a:t>7/19/16</a:t>
             </a:fld>
             <a:endParaRPr lang="en-US"/>
           </a:p>
@@ -4959,7 +4959,7 @@
           <a:p>
             <a:fld id="{3461F06D-0E85-6C41-8C18-478ACF61FB14}" type="datetime1">
               <a:rPr lang="en-US" smtClean="0"/>
-              <a:t>7/4/16</a:t>
+              <a:t>7/19/16</a:t>
             </a:fld>
             <a:endParaRPr lang="en-US"/>
           </a:p>
@@ -5209,7 +5209,7 @@
           <a:p>
             <a:fld id="{6B240E7E-8862-B949-A8A9-93DF182C94FB}" type="datetime1">
               <a:rPr lang="en-US" smtClean="0"/>
-              <a:t>7/4/16</a:t>
+              <a:t>7/19/16</a:t>
             </a:fld>
             <a:endParaRPr lang="en-US"/>
           </a:p>
@@ -5445,7 +5445,7 @@
           <a:p>
             <a:fld id="{8BF88BC9-18A3-E842-BFC5-D628DB77000A}" type="datetime1">
               <a:rPr lang="en-US" smtClean="0"/>
-              <a:t>7/4/16</a:t>
+              <a:t>7/19/16</a:t>
             </a:fld>
             <a:endParaRPr lang="en-US"/>
           </a:p>
@@ -5816,7 +5816,7 @@
           <a:p>
             <a:fld id="{C0BFF8DF-46A7-444A-BB76-3D8F4F23A2FC}" type="datetime1">
               <a:rPr lang="en-US" smtClean="0"/>
-              <a:t>7/4/16</a:t>
+              <a:t>7/19/16</a:t>
             </a:fld>
             <a:endParaRPr lang="en-US"/>
           </a:p>
@@ -5938,7 +5938,7 @@
           <a:p>
             <a:fld id="{381A87A2-99A7-7544-9826-90AEED0FF5E1}" type="datetime1">
               <a:rPr lang="en-US" smtClean="0"/>
-              <a:t>7/4/16</a:t>
+              <a:t>7/19/16</a:t>
             </a:fld>
             <a:endParaRPr lang="en-US"/>
           </a:p>
@@ -6037,7 +6037,7 @@
           <a:p>
             <a:fld id="{F0AA16F9-85EE-7A44-9535-0023235004AE}" type="datetime1">
               <a:rPr lang="en-US" smtClean="0"/>
-              <a:t>7/4/16</a:t>
+              <a:t>7/19/16</a:t>
             </a:fld>
             <a:endParaRPr lang="en-US"/>
           </a:p>
@@ -6287,7 +6287,7 @@
           <a:p>
             <a:fld id="{8D88DD66-263D-FD4D-BBC7-090008334CA4}" type="datetime1">
               <a:rPr lang="en-US" smtClean="0"/>
-              <a:t>7/4/16</a:t>
+              <a:t>7/19/16</a:t>
             </a:fld>
             <a:endParaRPr lang="en-US"/>
           </a:p>
@@ -6568,7 +6568,7 @@
           <a:p>
             <a:fld id="{B1C1710A-0E52-734E-8F3A-7443B5676EC4}" type="datetime1">
               <a:rPr lang="en-US" smtClean="0"/>
-              <a:t>7/4/16</a:t>
+              <a:t>7/19/16</a:t>
             </a:fld>
             <a:endParaRPr lang="en-US"/>
           </a:p>
@@ -6829,7 +6829,7 @@
           <a:p>
             <a:fld id="{3A90D91E-C223-EF44-9F44-EC760628CBA5}" type="datetime1">
               <a:rPr lang="en-US" smtClean="0"/>
-              <a:t>7/4/16</a:t>
+              <a:t>7/19/16</a:t>
             </a:fld>
             <a:endParaRPr lang="en-US"/>
           </a:p>
@@ -7003,7 +7003,7 @@
           <a:p>
             <a:fld id="{4557D62D-8D05-A642-BDFF-392F95E297D3}" type="datetime1">
               <a:rPr lang="en-US" smtClean="0"/>
-              <a:t>7/4/16</a:t>
+              <a:t>7/19/16</a:t>
             </a:fld>
             <a:endParaRPr lang="en-US"/>
           </a:p>
@@ -7187,7 +7187,7 @@
           <a:p>
             <a:fld id="{48BB139E-8563-034D-B6C9-D11741717041}" type="datetime1">
               <a:rPr lang="en-US" smtClean="0"/>
-              <a:t>7/4/16</a:t>
+              <a:t>7/19/16</a:t>
             </a:fld>
             <a:endParaRPr lang="en-US"/>
           </a:p>
@@ -7423,7 +7423,7 @@
           <a:p>
             <a:fld id="{5A4B2F08-B698-3D45-B443-9570DD39FE24}" type="datetime1">
               <a:rPr lang="en-US" smtClean="0"/>
-              <a:t>7/4/16</a:t>
+              <a:t>7/19/16</a:t>
             </a:fld>
             <a:endParaRPr lang="en-US"/>
           </a:p>
@@ -7794,7 +7794,7 @@
           <a:p>
             <a:fld id="{D87D2141-F0C6-DC42-85B6-EA21694280A6}" type="datetime1">
               <a:rPr lang="en-US" smtClean="0"/>
-              <a:t>7/4/16</a:t>
+              <a:t>7/19/16</a:t>
             </a:fld>
             <a:endParaRPr lang="en-US"/>
           </a:p>
@@ -7916,7 +7916,7 @@
           <a:p>
             <a:fld id="{1A47BC2D-9D07-2742-9EB2-5313CAF84404}" type="datetime1">
               <a:rPr lang="en-US" smtClean="0"/>
-              <a:t>7/4/16</a:t>
+              <a:t>7/19/16</a:t>
             </a:fld>
             <a:endParaRPr lang="en-US"/>
           </a:p>
@@ -8015,7 +8015,7 @@
           <a:p>
             <a:fld id="{8CFBF5F1-B2DE-4247-B383-6A259E8F165A}" type="datetime1">
               <a:rPr lang="en-US" smtClean="0"/>
-              <a:t>7/4/16</a:t>
+              <a:t>7/19/16</a:t>
             </a:fld>
             <a:endParaRPr lang="en-US"/>
           </a:p>
@@ -8296,7 +8296,7 @@
           <a:p>
             <a:fld id="{A7D4368B-E87F-394B-B949-79B97F007E9A}" type="datetime1">
               <a:rPr lang="en-US" smtClean="0"/>
-              <a:t>7/4/16</a:t>
+              <a:t>7/19/16</a:t>
             </a:fld>
             <a:endParaRPr lang="en-US"/>
           </a:p>
@@ -8553,7 +8553,7 @@
           <a:p>
             <a:fld id="{FC2F1C06-FC7A-8048-A441-87C927226903}" type="datetime1">
               <a:rPr lang="en-US" smtClean="0"/>
-              <a:t>7/4/16</a:t>
+              <a:t>7/19/16</a:t>
             </a:fld>
             <a:endParaRPr lang="en-US"/>
           </a:p>
@@ -8770,7 +8770,7 @@
           <a:p>
             <a:fld id="{E09AF4BD-6C64-4843-A579-F18E02262C97}" type="datetime1">
               <a:rPr lang="en-US" smtClean="0"/>
-              <a:t>7/4/16</a:t>
+              <a:t>7/19/16</a:t>
             </a:fld>
             <a:endParaRPr lang="en-US"/>
           </a:p>
@@ -9313,7 +9313,7 @@
           <a:p>
             <a:fld id="{DD136DA5-C170-FD4B-A022-D0CCDF0D787E}" type="datetime1">
               <a:rPr lang="en-US" smtClean="0"/>
-              <a:t>7/4/16</a:t>
+              <a:t>7/19/16</a:t>
             </a:fld>
             <a:endParaRPr lang="en-US"/>
           </a:p>
@@ -10078,7 +10078,7 @@
           <a:p>
             <a:fld id="{A4977CB9-1D42-514A-874E-5EA87748A2E5}" type="datetime1">
               <a:rPr lang="en-US" smtClean="0"/>
-              <a:t>7/4/16</a:t>
+              <a:t>7/19/16</a:t>
             </a:fld>
             <a:endParaRPr lang="en-US"/>
           </a:p>
@@ -10535,6 +10535,35 @@
           </a:p>
         </p:txBody>
       </p:sp>
+      <p:pic>
+        <p:nvPicPr>
+          <p:cNvPr id="4" name="Picture 3"/>
+          <p:cNvPicPr>
+            <a:picLocks noChangeAspect="1"/>
+          </p:cNvPicPr>
+          <p:nvPr/>
+        </p:nvPicPr>
+        <p:blipFill rotWithShape="1">
+          <a:blip r:embed="rId3">
+            <a:extLst>
+              <a:ext uri="{28A0092B-C50C-407E-A947-70E740481C1C}">
+                <a14:useLocalDpi xmlns:a14="http://schemas.microsoft.com/office/drawing/2010/main" val="0"/>
+              </a:ext>
+            </a:extLst>
+          </a:blip>
+          <a:srcRect l="4523" t="17619" r="3095" b="25000"/>
+          <a:stretch/>
+        </p:blipFill>
+        <p:spPr>
+          <a:xfrm>
+            <a:off x="3711108" y="4592409"/>
+            <a:ext cx="1700816" cy="1056435"/>
+          </a:xfrm>
+          <a:prstGeom prst="rect">
+            <a:avLst/>
+          </a:prstGeom>
+        </p:spPr>
+      </p:pic>
     </p:spTree>
     <p:extLst>
       <p:ext uri="{BB962C8B-B14F-4D97-AF65-F5344CB8AC3E}">
@@ -12009,15 +12038,7 @@
             </a:pPr>
             <a:r>
               <a:rPr lang="en-US" sz="1800" dirty="0" smtClean="0"/>
-              <a:t>More </a:t>
-            </a:r>
-            <a:r>
-              <a:rPr lang="en-US" sz="1800" dirty="0" smtClean="0"/>
-              <a:t>lessons are available at </a:t>
-            </a:r>
-            <a:r>
-              <a:rPr lang="en-US" sz="1800" dirty="0" smtClean="0"/>
-              <a:t>www.ev3lessons.com</a:t>
+              <a:t>More lessons are available at www.ev3lessons.com</a:t>
             </a:r>
             <a:r>
               <a:rPr lang="en-US" sz="1800" b="0" dirty="0"/>
@@ -12101,7 +12122,7 @@
           <a:effectLst/>
           <a:extLst>
             <a:ext uri="{91240B29-F687-4f45-9708-019B960494DF}">
-              <a14:hiddenLine xmlns:a14="http://schemas.microsoft.com/office/drawing/2010/main" xmlns="" w="9525">
+              <a14:hiddenLine xmlns="" xmlns:a14="http://schemas.microsoft.com/office/drawing/2010/main" w="9525">
                 <a:solidFill>
                   <a:schemeClr val="tx1"/>
                 </a:solidFill>
@@ -12111,7 +12132,7 @@
               </a14:hiddenLine>
             </a:ext>
             <a:ext uri="{AF507438-7753-43e0-B8FC-AC1667EBCBE1}">
-              <a14:hiddenEffects xmlns:a14="http://schemas.microsoft.com/office/drawing/2010/main" xmlns="">
+              <a14:hiddenEffects xmlns="" xmlns:a14="http://schemas.microsoft.com/office/drawing/2010/main">
                 <a:effectLst>
                   <a:outerShdw dist="35921" dir="2700000" algn="ctr" rotWithShape="0">
                     <a:schemeClr val="bg2"/>
@@ -12464,7 +12485,7 @@
           <a:noFill/>
           <a:extLst>
             <a:ext uri="{909E8E84-426E-40dd-AFC4-6F175D3DCCD1}">
-              <a14:hiddenFill xmlns:a14="http://schemas.microsoft.com/office/drawing/2010/main" xmlns="">
+              <a14:hiddenFill xmlns="" xmlns:a14="http://schemas.microsoft.com/office/drawing/2010/main">
                 <a:solidFill>
                   <a:srgbClr val="FFFFFF"/>
                 </a:solidFill>
@@ -18032,13 +18053,8 @@
             </a:pPr>
             <a:r>
               <a:rPr lang="en-US" dirty="0" smtClean="0"/>
-              <a:t>Split up class into groups as </a:t>
-            </a:r>
-            <a:r>
-              <a:rPr lang="en-US" dirty="0" smtClean="0"/>
-              <a:t>needed</a:t>
-            </a:r>
-            <a:endParaRPr lang="en-US" dirty="0" smtClean="0"/>
+              <a:t>Split up class into groups as needed</a:t>
+            </a:r>
           </a:p>
           <a:p>
             <a:pPr marL="342900" indent="-342900">
@@ -18047,13 +18063,8 @@
             </a:pPr>
             <a:r>
               <a:rPr lang="en-US" dirty="0" smtClean="0"/>
-              <a:t>Give each team a copy of the Turning Challenge </a:t>
-            </a:r>
-            <a:r>
-              <a:rPr lang="en-US" dirty="0" smtClean="0"/>
-              <a:t>Worksheet</a:t>
-            </a:r>
-            <a:endParaRPr lang="en-US" dirty="0" smtClean="0"/>
+              <a:t>Give each team a copy of the Turning Challenge Worksheet</a:t>
+            </a:r>
           </a:p>
           <a:p>
             <a:pPr marL="342900" indent="-342900">
